--- a/socio/Cordelia · SlidesCarnival.pptx
+++ b/socio/Cordelia · SlidesCarnival.pptx
@@ -5,18 +5,19 @@
     <p:sldMasterId id="2147483658" r:id="rId1"/>
   </p:sldMasterIdLst>
   <p:notesMasterIdLst>
-    <p:notesMasterId r:id="rId11"/>
+    <p:notesMasterId r:id="rId12"/>
   </p:notesMasterIdLst>
   <p:sldIdLst>
     <p:sldId id="256" r:id="rId2"/>
     <p:sldId id="257" r:id="rId3"/>
     <p:sldId id="288" r:id="rId4"/>
     <p:sldId id="259" r:id="rId5"/>
-    <p:sldId id="261" r:id="rId6"/>
-    <p:sldId id="286" r:id="rId7"/>
-    <p:sldId id="287" r:id="rId8"/>
-    <p:sldId id="289" r:id="rId9"/>
-    <p:sldId id="290" r:id="rId10"/>
+    <p:sldId id="291" r:id="rId6"/>
+    <p:sldId id="261" r:id="rId7"/>
+    <p:sldId id="286" r:id="rId8"/>
+    <p:sldId id="287" r:id="rId9"/>
+    <p:sldId id="289" r:id="rId10"/>
+    <p:sldId id="290" r:id="rId11"/>
   </p:sldIdLst>
   <p:sldSz cx="9144000" cy="5143500" type="screen16x9"/>
   <p:notesSz cx="6858000" cy="9144000"/>
@@ -249,6 +250,11 @@
       </a:defRPr>
     </a:lvl9pPr>
   </p:defaultTextStyle>
+  <p:extLst>
+    <p:ext uri="{EFAFB233-063F-42B5-8137-9DF3F51BA10A}">
+      <p15:sldGuideLst xmlns:p15="http://schemas.microsoft.com/office/powerpoint/2012/main"/>
+    </p:ext>
+  </p:extLst>
 </p:presentation>
 </file>
 
@@ -4973,6 +4979,106 @@
 </p:sld>
 </file>
 
+<file path=ppt/slides/slide10.xml><?xml version="1.0" encoding="utf-8"?>
+<p:sld xmlns:a="http://schemas.openxmlformats.org/drawingml/2006/main" xmlns:r="http://schemas.openxmlformats.org/officeDocument/2006/relationships" xmlns:p="http://schemas.openxmlformats.org/presentationml/2006/main">
+  <p:cSld>
+    <p:spTree>
+      <p:nvGrpSpPr>
+        <p:cNvPr id="1" name=""/>
+        <p:cNvGrpSpPr/>
+        <p:nvPr/>
+      </p:nvGrpSpPr>
+      <p:grpSpPr>
+        <a:xfrm>
+          <a:off x="0" y="0"/>
+          <a:ext cx="0" cy="0"/>
+          <a:chOff x="0" y="0"/>
+          <a:chExt cx="0" cy="0"/>
+        </a:xfrm>
+      </p:grpSpPr>
+      <p:sp>
+        <p:nvSpPr>
+          <p:cNvPr id="2" name="Título 1"/>
+          <p:cNvSpPr>
+            <a:spLocks noGrp="1"/>
+          </p:cNvSpPr>
+          <p:nvPr>
+            <p:ph type="title"/>
+          </p:nvPr>
+        </p:nvSpPr>
+        <p:spPr/>
+        <p:txBody>
+          <a:bodyPr/>
+          <a:lstStyle/>
+          <a:p>
+            <a:endParaRPr lang="pt-BR"/>
+          </a:p>
+        </p:txBody>
+      </p:sp>
+      <p:sp>
+        <p:nvSpPr>
+          <p:cNvPr id="3" name="Espaço Reservado para Texto 2"/>
+          <p:cNvSpPr>
+            <a:spLocks noGrp="1"/>
+          </p:cNvSpPr>
+          <p:nvPr>
+            <p:ph type="body" idx="1"/>
+          </p:nvPr>
+        </p:nvSpPr>
+        <p:spPr/>
+        <p:txBody>
+          <a:bodyPr/>
+          <a:lstStyle/>
+          <a:p>
+            <a:endParaRPr lang="pt-BR"/>
+          </a:p>
+        </p:txBody>
+      </p:sp>
+      <p:sp>
+        <p:nvSpPr>
+          <p:cNvPr id="4" name="Espaço Reservado para Número de Slide 3"/>
+          <p:cNvSpPr>
+            <a:spLocks noGrp="1"/>
+          </p:cNvSpPr>
+          <p:nvPr>
+            <p:ph type="sldNum" idx="12"/>
+          </p:nvPr>
+        </p:nvSpPr>
+        <p:spPr/>
+        <p:txBody>
+          <a:bodyPr/>
+          <a:lstStyle/>
+          <a:p>
+            <a:pPr marL="0" lvl="0" indent="0" algn="r" rtl="0">
+              <a:spcBef>
+                <a:spcPts val="0"/>
+              </a:spcBef>
+              <a:spcAft>
+                <a:spcPts val="0"/>
+              </a:spcAft>
+              <a:buNone/>
+            </a:pPr>
+            <a:fld id="{00000000-1234-1234-1234-123412341234}" type="slidenum">
+              <a:rPr lang="pt-BR" smtClean="0"/>
+              <a:t>10</a:t>
+            </a:fld>
+            <a:endParaRPr lang="pt-BR"/>
+          </a:p>
+        </p:txBody>
+      </p:sp>
+    </p:spTree>
+    <p:extLst>
+      <p:ext uri="{BB962C8B-B14F-4D97-AF65-F5344CB8AC3E}">
+        <p14:creationId xmlns:p14="http://schemas.microsoft.com/office/powerpoint/2010/main" val="1426286219"/>
+      </p:ext>
+    </p:extLst>
+  </p:cSld>
+  <p:clrMapOvr>
+    <a:masterClrMapping/>
+  </p:clrMapOvr>
+</p:sld>
+</file>
+
 <file path=ppt/slides/slide2.xml><?xml version="1.0" encoding="utf-8"?>
 <p:sld xmlns:a="http://schemas.openxmlformats.org/drawingml/2006/main" xmlns:r="http://schemas.openxmlformats.org/officeDocument/2006/relationships" xmlns:p="http://schemas.openxmlformats.org/presentationml/2006/main">
   <p:cSld>
@@ -5416,6 +5522,36 @@
           </a:p>
         </p:txBody>
       </p:sp>
+      <p:pic>
+        <p:nvPicPr>
+          <p:cNvPr id="5" name="Imagem 4"/>
+          <p:cNvPicPr>
+            <a:picLocks noChangeAspect="1"/>
+          </p:cNvPicPr>
+          <p:nvPr/>
+        </p:nvPicPr>
+        <p:blipFill>
+          <a:blip r:embed="rId2">
+            <a:extLst>
+              <a:ext uri="{28A0092B-C50C-407E-A947-70E740481C1C}">
+                <a14:useLocalDpi xmlns:a14="http://schemas.microsoft.com/office/drawing/2010/main" val="0"/>
+              </a:ext>
+            </a:extLst>
+          </a:blip>
+          <a:stretch>
+            <a:fillRect/>
+          </a:stretch>
+        </p:blipFill>
+        <p:spPr>
+          <a:xfrm>
+            <a:off x="5015513" y="2042525"/>
+            <a:ext cx="3937571" cy="2581836"/>
+          </a:xfrm>
+          <a:prstGeom prst="rect">
+            <a:avLst/>
+          </a:prstGeom>
+        </p:spPr>
+      </p:pic>
     </p:spTree>
     <p:extLst>
       <p:ext uri="{BB962C8B-B14F-4D97-AF65-F5344CB8AC3E}">
@@ -5566,6 +5702,228 @@
   <p:cSld>
     <p:spTree>
       <p:nvGrpSpPr>
+        <p:cNvPr id="1" name=""/>
+        <p:cNvGrpSpPr/>
+        <p:nvPr/>
+      </p:nvGrpSpPr>
+      <p:grpSpPr>
+        <a:xfrm>
+          <a:off x="0" y="0"/>
+          <a:ext cx="0" cy="0"/>
+          <a:chOff x="0" y="0"/>
+          <a:chExt cx="0" cy="0"/>
+        </a:xfrm>
+      </p:grpSpPr>
+      <p:sp>
+        <p:nvSpPr>
+          <p:cNvPr id="2" name="Título 1"/>
+          <p:cNvSpPr>
+            <a:spLocks noGrp="1"/>
+          </p:cNvSpPr>
+          <p:nvPr>
+            <p:ph type="title"/>
+          </p:nvPr>
+        </p:nvSpPr>
+        <p:spPr/>
+        <p:txBody>
+          <a:bodyPr/>
+          <a:lstStyle/>
+          <a:p>
+            <a:r>
+              <a:rPr lang="pt-BR" sz="3200" dirty="0" smtClean="0"/>
+              <a:t>Lixo eletrônico </a:t>
+            </a:r>
+            <a:endParaRPr lang="pt-BR" sz="3200" dirty="0"/>
+          </a:p>
+        </p:txBody>
+      </p:sp>
+      <p:sp>
+        <p:nvSpPr>
+          <p:cNvPr id="3" name="Espaço Reservado para Texto 2"/>
+          <p:cNvSpPr>
+            <a:spLocks noGrp="1"/>
+          </p:cNvSpPr>
+          <p:nvPr>
+            <p:ph type="body" idx="1"/>
+          </p:nvPr>
+        </p:nvSpPr>
+        <p:spPr/>
+        <p:txBody>
+          <a:bodyPr/>
+          <a:lstStyle/>
+          <a:p>
+            <a:pPr fontAlgn="base"/>
+            <a:r>
+              <a:rPr lang="pt-BR" sz="1200" dirty="0"/>
+              <a:t>Monitores de </a:t>
+            </a:r>
+            <a:r>
+              <a:rPr lang="pt-BR" sz="1200" dirty="0" smtClean="0"/>
+              <a:t>Computadores</a:t>
+            </a:r>
+            <a:r>
+              <a:rPr lang="pt-BR" sz="1200" dirty="0"/>
+              <a:t> </a:t>
+            </a:r>
+            <a:endParaRPr lang="pt-BR" sz="1200" dirty="0" smtClean="0"/>
+          </a:p>
+          <a:p>
+            <a:pPr marL="76200" indent="0" fontAlgn="base">
+              <a:buNone/>
+            </a:pPr>
+            <a:endParaRPr lang="pt-BR" sz="1200" dirty="0"/>
+          </a:p>
+          <a:p>
+            <a:pPr fontAlgn="base"/>
+            <a:r>
+              <a:rPr lang="pt-BR" sz="1200" dirty="0" smtClean="0"/>
+              <a:t>Telefones </a:t>
+            </a:r>
+            <a:r>
+              <a:rPr lang="pt-BR" sz="1200" dirty="0"/>
+              <a:t>Celulares e </a:t>
+            </a:r>
+            <a:r>
+              <a:rPr lang="pt-BR" sz="1200" dirty="0" smtClean="0"/>
+              <a:t>baterias</a:t>
+            </a:r>
+          </a:p>
+          <a:p>
+            <a:pPr fontAlgn="base"/>
+            <a:endParaRPr lang="pt-BR" sz="1200" dirty="0"/>
+          </a:p>
+          <a:p>
+            <a:pPr fontAlgn="base"/>
+            <a:r>
+              <a:rPr lang="pt-BR" sz="1200" dirty="0" smtClean="0"/>
+              <a:t>Computadores </a:t>
+            </a:r>
+            <a:r>
+              <a:rPr lang="pt-BR" sz="1200" dirty="0"/>
+              <a:t>(notebooks e desktops)</a:t>
+            </a:r>
+          </a:p>
+          <a:p>
+            <a:pPr fontAlgn="base"/>
+            <a:endParaRPr lang="pt-BR" sz="1200" dirty="0"/>
+          </a:p>
+          <a:p>
+            <a:pPr fontAlgn="base"/>
+            <a:r>
+              <a:rPr lang="pt-BR" sz="1200" dirty="0" smtClean="0"/>
+              <a:t>Televisores </a:t>
+            </a:r>
+            <a:r>
+              <a:rPr lang="pt-BR" sz="1200" dirty="0"/>
+              <a:t>(Tubo, Plasma e LCD)</a:t>
+            </a:r>
+          </a:p>
+          <a:p>
+            <a:pPr marL="76200" indent="0" fontAlgn="base">
+              <a:buNone/>
+            </a:pPr>
+            <a:endParaRPr lang="pt-BR" sz="1200" dirty="0"/>
+          </a:p>
+          <a:p>
+            <a:pPr fontAlgn="base"/>
+            <a:r>
+              <a:rPr lang="pt-BR" sz="1200" dirty="0" err="1" smtClean="0"/>
+              <a:t>Blu</a:t>
+            </a:r>
+            <a:r>
+              <a:rPr lang="pt-BR" sz="1200" dirty="0" smtClean="0"/>
+              <a:t> </a:t>
+            </a:r>
+            <a:r>
+              <a:rPr lang="pt-BR" sz="1200" dirty="0" err="1"/>
+              <a:t>ray</a:t>
+            </a:r>
+            <a:r>
+              <a:rPr lang="pt-BR" sz="1200" dirty="0"/>
+              <a:t> player e DVD player</a:t>
+            </a:r>
+          </a:p>
+          <a:p>
+            <a:pPr fontAlgn="base"/>
+            <a:endParaRPr lang="pt-BR" sz="1200" dirty="0"/>
+          </a:p>
+          <a:p>
+            <a:pPr fontAlgn="base"/>
+            <a:r>
+              <a:rPr lang="pt-BR" sz="1200" dirty="0" smtClean="0"/>
+              <a:t>Câmeras Fotográficas</a:t>
+            </a:r>
+          </a:p>
+          <a:p>
+            <a:pPr fontAlgn="base"/>
+            <a:endParaRPr lang="pt-BR" sz="1200" dirty="0" smtClean="0"/>
+          </a:p>
+          <a:p>
+            <a:pPr fontAlgn="base"/>
+            <a:r>
+              <a:rPr lang="pt-BR" sz="1200" dirty="0" smtClean="0"/>
+              <a:t> </a:t>
+            </a:r>
+            <a:r>
+              <a:rPr lang="pt-BR" sz="1200" dirty="0"/>
+              <a:t>Impressoras</a:t>
+            </a:r>
+          </a:p>
+          <a:p>
+            <a:endParaRPr lang="pt-BR" dirty="0"/>
+          </a:p>
+        </p:txBody>
+      </p:sp>
+      <p:sp>
+        <p:nvSpPr>
+          <p:cNvPr id="4" name="Espaço Reservado para Número de Slide 3"/>
+          <p:cNvSpPr>
+            <a:spLocks noGrp="1"/>
+          </p:cNvSpPr>
+          <p:nvPr>
+            <p:ph type="sldNum" idx="12"/>
+          </p:nvPr>
+        </p:nvSpPr>
+        <p:spPr/>
+        <p:txBody>
+          <a:bodyPr/>
+          <a:lstStyle/>
+          <a:p>
+            <a:pPr marL="0" lvl="0" indent="0" algn="r" rtl="0">
+              <a:spcBef>
+                <a:spcPts val="0"/>
+              </a:spcBef>
+              <a:spcAft>
+                <a:spcPts val="0"/>
+              </a:spcAft>
+              <a:buNone/>
+            </a:pPr>
+            <a:fld id="{00000000-1234-1234-1234-123412341234}" type="slidenum">
+              <a:rPr lang="pt-BR" smtClean="0"/>
+              <a:t>5</a:t>
+            </a:fld>
+            <a:endParaRPr lang="pt-BR"/>
+          </a:p>
+        </p:txBody>
+      </p:sp>
+    </p:spTree>
+    <p:extLst>
+      <p:ext uri="{BB962C8B-B14F-4D97-AF65-F5344CB8AC3E}">
+        <p14:creationId xmlns:p14="http://schemas.microsoft.com/office/powerpoint/2010/main" val="3956808491"/>
+      </p:ext>
+    </p:extLst>
+  </p:cSld>
+  <p:clrMapOvr>
+    <a:masterClrMapping/>
+  </p:clrMapOvr>
+</p:sld>
+</file>
+
+<file path=ppt/slides/slide6.xml><?xml version="1.0" encoding="utf-8"?>
+<p:sld xmlns:a="http://schemas.openxmlformats.org/drawingml/2006/main" xmlns:r="http://schemas.openxmlformats.org/officeDocument/2006/relationships" xmlns:p="http://schemas.openxmlformats.org/presentationml/2006/main">
+  <p:cSld>
+    <p:spTree>
+      <p:nvGrpSpPr>
         <p:cNvPr id="1" name="Shape 109"/>
         <p:cNvGrpSpPr/>
         <p:nvPr/>
@@ -5655,11 +6013,7 @@
             </a:r>
             <a:r>
               <a:rPr lang="en" dirty="0" smtClean="0"/>
-              <a:t>  Lixos de rua </a:t>
-            </a:r>
-            <a:r>
-              <a:rPr lang="en" dirty="0" smtClean="0"/>
-              <a:t> </a:t>
+              <a:t>  Lixos de rua  </a:t>
             </a:r>
           </a:p>
           <a:p>
@@ -5680,10 +6034,6 @@
             <a:r>
               <a:rPr lang="en" dirty="0" smtClean="0"/>
               <a:t>  Guardados em gavetas </a:t>
-            </a:r>
-            <a:r>
-              <a:rPr lang="en" dirty="0" smtClean="0"/>
-              <a:t/>
             </a:r>
             <a:br>
               <a:rPr lang="en" dirty="0" smtClean="0"/>
@@ -5818,7 +6168,7 @@
             </a:pPr>
             <a:fld id="{00000000-1234-1234-1234-123412341234}" type="slidenum">
               <a:rPr lang="en"/>
-              <a:t>5</a:t>
+              <a:t>6</a:t>
             </a:fld>
             <a:endParaRPr/>
           </a:p>
@@ -5832,7 +6182,7 @@
 </p:sld>
 </file>
 
-<file path=ppt/slides/slide6.xml><?xml version="1.0" encoding="utf-8"?>
+<file path=ppt/slides/slide7.xml><?xml version="1.0" encoding="utf-8"?>
 <p:sld xmlns:a="http://schemas.openxmlformats.org/drawingml/2006/main" xmlns:r="http://schemas.openxmlformats.org/officeDocument/2006/relationships" xmlns:p="http://schemas.openxmlformats.org/presentationml/2006/main">
   <p:cSld>
     <p:spTree>
@@ -5906,11 +6256,7 @@
             </a:r>
             <a:r>
               <a:rPr lang="en" b="1" dirty="0" smtClean="0"/>
-              <a:t>logistica reversa</a:t>
-            </a:r>
-            <a:r>
-              <a:rPr lang="en" b="1" dirty="0" smtClean="0"/>
-              <a:t> </a:t>
+              <a:t>logistica reversa </a:t>
             </a:r>
             <a:r>
               <a:rPr lang="en" dirty="0" smtClean="0"/>
@@ -6049,7 +6395,7 @@
             </a:pPr>
             <a:fld id="{00000000-1234-1234-1234-123412341234}" type="slidenum">
               <a:rPr lang="en"/>
-              <a:t>6</a:t>
+              <a:t>7</a:t>
             </a:fld>
             <a:endParaRPr/>
           </a:p>
@@ -6416,7 +6762,7 @@
 </p:sld>
 </file>
 
-<file path=ppt/slides/slide7.xml><?xml version="1.0" encoding="utf-8"?>
+<file path=ppt/slides/slide8.xml><?xml version="1.0" encoding="utf-8"?>
 <p:sld xmlns:a="http://schemas.openxmlformats.org/drawingml/2006/main" xmlns:r="http://schemas.openxmlformats.org/officeDocument/2006/relationships" xmlns:p="http://schemas.openxmlformats.org/presentationml/2006/main">
   <p:cSld>
     <p:spTree>
@@ -6506,7 +6852,7 @@
             </a:pPr>
             <a:fld id="{00000000-1234-1234-1234-123412341234}" type="slidenum">
               <a:rPr lang="en"/>
-              <a:t>7</a:t>
+              <a:t>8</a:t>
             </a:fld>
             <a:endParaRPr/>
           </a:p>
@@ -6645,7 +6991,7 @@
         <p:spPr>
           <a:xfrm>
             <a:off x="987136" y="3325090"/>
-            <a:ext cx="2879314" cy="1323439"/>
+            <a:ext cx="2916183" cy="1323439"/>
           </a:xfrm>
           <a:prstGeom prst="rect">
             <a:avLst/>
@@ -6679,7 +7025,11 @@
           <a:p>
             <a:r>
               <a:rPr lang="pt-BR" sz="2000" dirty="0" smtClean="0"/>
-              <a:t> só dos computadores</a:t>
+              <a:t>    </a:t>
+            </a:r>
+            <a:r>
+              <a:rPr lang="pt-BR" sz="2000" dirty="0" smtClean="0"/>
+              <a:t>só dos computadores</a:t>
             </a:r>
             <a:endParaRPr lang="pt-BR" sz="2000" dirty="0"/>
           </a:p>
@@ -6689,120 +7039,6 @@
     <p:extLst>
       <p:ext uri="{BB962C8B-B14F-4D97-AF65-F5344CB8AC3E}">
         <p14:creationId xmlns:p14="http://schemas.microsoft.com/office/powerpoint/2010/main" val="198224655"/>
-      </p:ext>
-    </p:extLst>
-  </p:cSld>
-  <p:clrMapOvr>
-    <a:masterClrMapping/>
-  </p:clrMapOvr>
-</p:sld>
-</file>
-
-<file path=ppt/slides/slide8.xml><?xml version="1.0" encoding="utf-8"?>
-<p:sld xmlns:a="http://schemas.openxmlformats.org/drawingml/2006/main" xmlns:r="http://schemas.openxmlformats.org/officeDocument/2006/relationships" xmlns:p="http://schemas.openxmlformats.org/presentationml/2006/main">
-  <p:cSld>
-    <p:spTree>
-      <p:nvGrpSpPr>
-        <p:cNvPr id="1" name=""/>
-        <p:cNvGrpSpPr/>
-        <p:nvPr/>
-      </p:nvGrpSpPr>
-      <p:grpSpPr>
-        <a:xfrm>
-          <a:off x="0" y="0"/>
-          <a:ext cx="0" cy="0"/>
-          <a:chOff x="0" y="0"/>
-          <a:chExt cx="0" cy="0"/>
-        </a:xfrm>
-      </p:grpSpPr>
-      <p:sp>
-        <p:nvSpPr>
-          <p:cNvPr id="2" name="Título 1"/>
-          <p:cNvSpPr>
-            <a:spLocks noGrp="1"/>
-          </p:cNvSpPr>
-          <p:nvPr>
-            <p:ph type="title"/>
-          </p:nvPr>
-        </p:nvSpPr>
-        <p:spPr/>
-        <p:txBody>
-          <a:bodyPr/>
-          <a:lstStyle/>
-          <a:p>
-            <a:r>
-              <a:rPr lang="pt-BR" b="1" dirty="0" smtClean="0"/>
-              <a:t>Como fazer o descarte correto ?</a:t>
-            </a:r>
-            <a:endParaRPr lang="pt-BR" b="1" dirty="0"/>
-          </a:p>
-        </p:txBody>
-      </p:sp>
-      <p:sp>
-        <p:nvSpPr>
-          <p:cNvPr id="3" name="Espaço Reservado para Texto 2"/>
-          <p:cNvSpPr>
-            <a:spLocks noGrp="1"/>
-          </p:cNvSpPr>
-          <p:nvPr>
-            <p:ph type="body" idx="1"/>
-          </p:nvPr>
-        </p:nvSpPr>
-        <p:spPr/>
-        <p:txBody>
-          <a:bodyPr/>
-          <a:lstStyle/>
-          <a:p>
-            <a:r>
-              <a:rPr lang="pt-BR" dirty="0" smtClean="0"/>
-              <a:t>O lixo eletrônico deve ser separado dos lixos orgânicos </a:t>
-            </a:r>
-          </a:p>
-          <a:p>
-            <a:r>
-              <a:rPr lang="pt-BR" dirty="0" smtClean="0"/>
-              <a:t>Deve ser descartado em empresas especializadas</a:t>
-            </a:r>
-            <a:endParaRPr lang="pt-BR" dirty="0"/>
-          </a:p>
-        </p:txBody>
-      </p:sp>
-      <p:sp>
-        <p:nvSpPr>
-          <p:cNvPr id="4" name="Espaço Reservado para Número de Slide 3"/>
-          <p:cNvSpPr>
-            <a:spLocks noGrp="1"/>
-          </p:cNvSpPr>
-          <p:nvPr>
-            <p:ph type="sldNum" idx="12"/>
-          </p:nvPr>
-        </p:nvSpPr>
-        <p:spPr/>
-        <p:txBody>
-          <a:bodyPr/>
-          <a:lstStyle/>
-          <a:p>
-            <a:pPr marL="0" lvl="0" indent="0" algn="r" rtl="0">
-              <a:spcBef>
-                <a:spcPts val="0"/>
-              </a:spcBef>
-              <a:spcAft>
-                <a:spcPts val="0"/>
-              </a:spcAft>
-              <a:buNone/>
-            </a:pPr>
-            <a:fld id="{00000000-1234-1234-1234-123412341234}" type="slidenum">
-              <a:rPr lang="pt-BR" smtClean="0"/>
-              <a:t>8</a:t>
-            </a:fld>
-            <a:endParaRPr lang="pt-BR"/>
-          </a:p>
-        </p:txBody>
-      </p:sp>
-    </p:spTree>
-    <p:extLst>
-      <p:ext uri="{BB962C8B-B14F-4D97-AF65-F5344CB8AC3E}">
-        <p14:creationId xmlns:p14="http://schemas.microsoft.com/office/powerpoint/2010/main" val="4185139627"/>
       </p:ext>
     </p:extLst>
   </p:cSld>
@@ -6844,7 +7080,11 @@
           <a:bodyPr/>
           <a:lstStyle/>
           <a:p>
-            <a:endParaRPr lang="pt-BR"/>
+            <a:r>
+              <a:rPr lang="pt-BR" b="1" dirty="0" smtClean="0"/>
+              <a:t>Como fazer o descarte correto ?</a:t>
+            </a:r>
+            <a:endParaRPr lang="pt-BR" b="1" dirty="0"/>
           </a:p>
         </p:txBody>
       </p:sp>
@@ -6863,7 +7103,27 @@
           <a:bodyPr/>
           <a:lstStyle/>
           <a:p>
-            <a:endParaRPr lang="pt-BR"/>
+            <a:r>
+              <a:rPr lang="pt-BR" dirty="0" smtClean="0"/>
+              <a:t>O lixo eletrônico deve ser separado dos lixos orgânicos </a:t>
+            </a:r>
+          </a:p>
+          <a:p>
+            <a:r>
+              <a:rPr lang="pt-BR" dirty="0" smtClean="0"/>
+              <a:t>Deve ser descartado em empresas </a:t>
+            </a:r>
+            <a:r>
+              <a:rPr lang="pt-BR" dirty="0" smtClean="0"/>
+              <a:t>especializadas</a:t>
+            </a:r>
+          </a:p>
+          <a:p>
+            <a:r>
+              <a:rPr lang="pt-BR" dirty="0" smtClean="0"/>
+              <a:t>Baterias </a:t>
+            </a:r>
+            <a:endParaRPr lang="pt-BR" dirty="0"/>
           </a:p>
         </p:txBody>
       </p:sp>
@@ -6902,7 +7162,7 @@
     </p:spTree>
     <p:extLst>
       <p:ext uri="{BB962C8B-B14F-4D97-AF65-F5344CB8AC3E}">
-        <p14:creationId xmlns:p14="http://schemas.microsoft.com/office/powerpoint/2010/main" val="1426286219"/>
+        <p14:creationId xmlns:p14="http://schemas.microsoft.com/office/powerpoint/2010/main" val="4185139627"/>
       </p:ext>
     </p:extLst>
   </p:cSld>

--- a/socio/Cordelia · SlidesCarnival.pptx
+++ b/socio/Cordelia · SlidesCarnival.pptx
@@ -4976,6 +4976,13 @@
   <p:clrMapOvr>
     <a:masterClrMapping/>
   </p:clrMapOvr>
+  <p:timing>
+    <p:tnLst>
+      <p:par>
+        <p:cTn id="1" dur="indefinite" restart="never" nodeType="tmRoot"/>
+      </p:par>
+    </p:tnLst>
+  </p:timing>
 </p:sld>
 </file>
 
@@ -5011,7 +5018,11 @@
           <a:bodyPr/>
           <a:lstStyle/>
           <a:p>
-            <a:endParaRPr lang="pt-BR"/>
+            <a:r>
+              <a:rPr lang="pt-BR" b="1" dirty="0" smtClean="0"/>
+              <a:t>Curiosidades</a:t>
+            </a:r>
+            <a:endParaRPr lang="pt-BR" b="1" dirty="0"/>
           </a:p>
         </p:txBody>
       </p:sp>
@@ -5030,7 +5041,31 @@
           <a:bodyPr/>
           <a:lstStyle/>
           <a:p>
-            <a:endParaRPr lang="pt-BR"/>
+            <a:r>
+              <a:rPr lang="pt-BR" dirty="0"/>
+              <a:t>Cerca de 41 milhões de toneladas de lixo eletrônico são gerados por ano no mundo</a:t>
+            </a:r>
+            <a:r>
+              <a:rPr lang="pt-BR" dirty="0" smtClean="0"/>
+              <a:t>.</a:t>
+            </a:r>
+          </a:p>
+          <a:p>
+            <a:r>
+              <a:rPr lang="pt-BR" dirty="0"/>
+              <a:t>Entre os países emergentes, o Brasil é o país que mais gera lixo </a:t>
+            </a:r>
+            <a:r>
+              <a:rPr lang="pt-BR" dirty="0" smtClean="0"/>
+              <a:t>eletrônico</a:t>
+            </a:r>
+          </a:p>
+          <a:p>
+            <a:r>
+              <a:rPr lang="pt-BR" dirty="0"/>
+              <a:t>A cada ano, o Brasil descarta: cerca de 97 mil toneladas métricas de computadores; 2,2 mil toneladas de celulares; 17,2 mil toneladas de impressoras.</a:t>
+            </a:r>
+            <a:endParaRPr lang="pt-BR" dirty="0"/>
           </a:p>
         </p:txBody>
       </p:sp>
@@ -5076,6 +5111,13 @@
   <p:clrMapOvr>
     <a:masterClrMapping/>
   </p:clrMapOvr>
+  <p:timing>
+    <p:tnLst>
+      <p:par>
+        <p:cTn id="1" dur="indefinite" restart="never" nodeType="tmRoot"/>
+      </p:par>
+    </p:tnLst>
+  </p:timing>
 </p:sld>
 </file>
 
@@ -5406,6 +5448,13 @@
   <p:clrMapOvr>
     <a:masterClrMapping/>
   </p:clrMapOvr>
+  <p:timing>
+    <p:tnLst>
+      <p:par>
+        <p:cTn id="1" dur="indefinite" restart="never" nodeType="tmRoot"/>
+      </p:par>
+    </p:tnLst>
+  </p:timing>
 </p:sld>
 </file>
 
@@ -5562,6 +5611,13 @@
   <p:clrMapOvr>
     <a:masterClrMapping/>
   </p:clrMapOvr>
+  <p:timing>
+    <p:tnLst>
+      <p:par>
+        <p:cTn id="1" dur="indefinite" restart="never" nodeType="tmRoot"/>
+      </p:par>
+    </p:tnLst>
+  </p:timing>
 </p:sld>
 </file>
 
@@ -5694,6 +5750,13 @@
   <p:clrMapOvr>
     <a:masterClrMapping/>
   </p:clrMapOvr>
+  <p:timing>
+    <p:tnLst>
+      <p:par>
+        <p:cTn id="1" dur="indefinite" restart="never" nodeType="tmRoot"/>
+      </p:par>
+    </p:tnLst>
+  </p:timing>
 </p:sld>
 </file>
 
@@ -5916,6 +5979,13 @@
   <p:clrMapOvr>
     <a:masterClrMapping/>
   </p:clrMapOvr>
+  <p:timing>
+    <p:tnLst>
+      <p:par>
+        <p:cTn id="1" dur="indefinite" restart="never" nodeType="tmRoot"/>
+      </p:par>
+    </p:tnLst>
+  </p:timing>
 </p:sld>
 </file>
 
@@ -6179,6 +6249,13 @@
   <p:clrMapOvr>
     <a:masterClrMapping/>
   </p:clrMapOvr>
+  <p:timing>
+    <p:tnLst>
+      <p:par>
+        <p:cTn id="1" dur="indefinite" restart="never" nodeType="tmRoot"/>
+      </p:par>
+    </p:tnLst>
+  </p:timing>
 </p:sld>
 </file>
 
@@ -6759,6 +6836,13 @@
   <p:clrMapOvr>
     <a:masterClrMapping/>
   </p:clrMapOvr>
+  <p:timing>
+    <p:tnLst>
+      <p:par>
+        <p:cTn id="1" dur="indefinite" restart="never" nodeType="tmRoot"/>
+      </p:par>
+    </p:tnLst>
+  </p:timing>
 </p:sld>
 </file>
 
@@ -7025,11 +7109,7 @@
           <a:p>
             <a:r>
               <a:rPr lang="pt-BR" sz="2000" dirty="0" smtClean="0"/>
-              <a:t>    </a:t>
-            </a:r>
-            <a:r>
-              <a:rPr lang="pt-BR" sz="2000" dirty="0" smtClean="0"/>
-              <a:t>só dos computadores</a:t>
+              <a:t>    só dos computadores</a:t>
             </a:r>
             <a:endParaRPr lang="pt-BR" sz="2000" dirty="0"/>
           </a:p>
@@ -7045,6 +7125,13 @@
   <p:clrMapOvr>
     <a:masterClrMapping/>
   </p:clrMapOvr>
+  <p:timing>
+    <p:tnLst>
+      <p:par>
+        <p:cTn id="1" dur="indefinite" restart="never" nodeType="tmRoot"/>
+      </p:par>
+    </p:tnLst>
+  </p:timing>
 </p:sld>
 </file>
 
@@ -7111,17 +7198,19 @@
           <a:p>
             <a:r>
               <a:rPr lang="pt-BR" dirty="0" smtClean="0"/>
-              <a:t>Deve ser descartado em empresas </a:t>
-            </a:r>
+              <a:t>Deve ser descartado em empresas especializadas</a:t>
+            </a:r>
+          </a:p>
+          <a:p>
             <a:r>
               <a:rPr lang="pt-BR" dirty="0" smtClean="0"/>
-              <a:t>especializadas</a:t>
+              <a:t>Celulares e suas baterias podem ser entregues de telefonia</a:t>
             </a:r>
           </a:p>
           <a:p>
             <a:r>
               <a:rPr lang="pt-BR" dirty="0" smtClean="0"/>
-              <a:t>Baterias </a:t>
+              <a:t>Eletrônicos em boa condições podem ser entregues para instituição </a:t>
             </a:r>
             <a:endParaRPr lang="pt-BR" dirty="0"/>
           </a:p>
@@ -7169,6 +7258,13 @@
   <p:clrMapOvr>
     <a:masterClrMapping/>
   </p:clrMapOvr>
+  <p:timing>
+    <p:tnLst>
+      <p:par>
+        <p:cTn id="1" dur="indefinite" restart="never" nodeType="tmRoot"/>
+      </p:par>
+    </p:tnLst>
+  </p:timing>
 </p:sld>
 </file>
 
